--- a/Thumbnail.pptx
+++ b/Thumbnail.pptx
@@ -264,7 +264,7 @@
           <a:p>
             <a:fld id="{78891461-C6EA-4276-8BAF-69066A4B608C}" type="datetimeFigureOut">
               <a:rPr lang="en-AU" smtClean="0"/>
-              <a:t>31/07/2024</a:t>
+              <a:t>17/02/2026</a:t>
             </a:fld>
             <a:endParaRPr lang="en-AU"/>
           </a:p>
@@ -464,7 +464,7 @@
           <a:p>
             <a:fld id="{78891461-C6EA-4276-8BAF-69066A4B608C}" type="datetimeFigureOut">
               <a:rPr lang="en-AU" smtClean="0"/>
-              <a:t>31/07/2024</a:t>
+              <a:t>17/02/2026</a:t>
             </a:fld>
             <a:endParaRPr lang="en-AU"/>
           </a:p>
@@ -674,7 +674,7 @@
           <a:p>
             <a:fld id="{78891461-C6EA-4276-8BAF-69066A4B608C}" type="datetimeFigureOut">
               <a:rPr lang="en-AU" smtClean="0"/>
-              <a:t>31/07/2024</a:t>
+              <a:t>17/02/2026</a:t>
             </a:fld>
             <a:endParaRPr lang="en-AU"/>
           </a:p>
@@ -874,7 +874,7 @@
           <a:p>
             <a:fld id="{78891461-C6EA-4276-8BAF-69066A4B608C}" type="datetimeFigureOut">
               <a:rPr lang="en-AU" smtClean="0"/>
-              <a:t>31/07/2024</a:t>
+              <a:t>17/02/2026</a:t>
             </a:fld>
             <a:endParaRPr lang="en-AU"/>
           </a:p>
@@ -1150,7 +1150,7 @@
           <a:p>
             <a:fld id="{78891461-C6EA-4276-8BAF-69066A4B608C}" type="datetimeFigureOut">
               <a:rPr lang="en-AU" smtClean="0"/>
-              <a:t>31/07/2024</a:t>
+              <a:t>17/02/2026</a:t>
             </a:fld>
             <a:endParaRPr lang="en-AU"/>
           </a:p>
@@ -1418,7 +1418,7 @@
           <a:p>
             <a:fld id="{78891461-C6EA-4276-8BAF-69066A4B608C}" type="datetimeFigureOut">
               <a:rPr lang="en-AU" smtClean="0"/>
-              <a:t>31/07/2024</a:t>
+              <a:t>17/02/2026</a:t>
             </a:fld>
             <a:endParaRPr lang="en-AU"/>
           </a:p>
@@ -1833,7 +1833,7 @@
           <a:p>
             <a:fld id="{78891461-C6EA-4276-8BAF-69066A4B608C}" type="datetimeFigureOut">
               <a:rPr lang="en-AU" smtClean="0"/>
-              <a:t>31/07/2024</a:t>
+              <a:t>17/02/2026</a:t>
             </a:fld>
             <a:endParaRPr lang="en-AU"/>
           </a:p>
@@ -1975,7 +1975,7 @@
           <a:p>
             <a:fld id="{78891461-C6EA-4276-8BAF-69066A4B608C}" type="datetimeFigureOut">
               <a:rPr lang="en-AU" smtClean="0"/>
-              <a:t>31/07/2024</a:t>
+              <a:t>17/02/2026</a:t>
             </a:fld>
             <a:endParaRPr lang="en-AU"/>
           </a:p>
@@ -2088,7 +2088,7 @@
           <a:p>
             <a:fld id="{78891461-C6EA-4276-8BAF-69066A4B608C}" type="datetimeFigureOut">
               <a:rPr lang="en-AU" smtClean="0"/>
-              <a:t>31/07/2024</a:t>
+              <a:t>17/02/2026</a:t>
             </a:fld>
             <a:endParaRPr lang="en-AU"/>
           </a:p>
@@ -2401,7 +2401,7 @@
           <a:p>
             <a:fld id="{78891461-C6EA-4276-8BAF-69066A4B608C}" type="datetimeFigureOut">
               <a:rPr lang="en-AU" smtClean="0"/>
-              <a:t>31/07/2024</a:t>
+              <a:t>17/02/2026</a:t>
             </a:fld>
             <a:endParaRPr lang="en-AU"/>
           </a:p>
@@ -2690,7 +2690,7 @@
           <a:p>
             <a:fld id="{78891461-C6EA-4276-8BAF-69066A4B608C}" type="datetimeFigureOut">
               <a:rPr lang="en-AU" smtClean="0"/>
-              <a:t>31/07/2024</a:t>
+              <a:t>17/02/2026</a:t>
             </a:fld>
             <a:endParaRPr lang="en-AU"/>
           </a:p>
@@ -2933,7 +2933,7 @@
           <a:p>
             <a:fld id="{78891461-C6EA-4276-8BAF-69066A4B608C}" type="datetimeFigureOut">
               <a:rPr lang="en-AU" smtClean="0"/>
-              <a:t>31/07/2024</a:t>
+              <a:t>17/02/2026</a:t>
             </a:fld>
             <a:endParaRPr lang="en-AU"/>
           </a:p>
@@ -3466,7 +3466,7 @@
             </a:fontRef>
           </p:style>
           <p:txBody>
-            <a:bodyPr wrap="none" lIns="91440" tIns="45720" rIns="91440" bIns="45720">
+            <a:bodyPr wrap="square" lIns="91440" tIns="45720" rIns="91440" bIns="45720">
               <a:spAutoFit/>
             </a:bodyPr>
             <a:lstStyle/>
@@ -3517,7 +3517,7 @@
             <a:noFill/>
           </p:spPr>
           <p:txBody>
-            <a:bodyPr wrap="none" lIns="91440" tIns="45720" rIns="91440" bIns="45720">
+            <a:bodyPr wrap="square" lIns="91440" tIns="45720" rIns="91440" bIns="45720">
               <a:spAutoFit/>
             </a:bodyPr>
             <a:lstStyle/>
@@ -4201,6 +4201,334 @@
                   <a:latin typeface="Arial Black" panose="020B0A04020102020204" pitchFamily="34" charset="0"/>
                 </a:rPr>
                 <a:t>NETWORK ENGNEERS</a:t>
+              </a:r>
+            </a:p>
+          </p:txBody>
+        </p:sp>
+      </p:grpSp>
+      <p:grpSp>
+        <p:nvGrpSpPr>
+          <p:cNvPr id="2" name="Group 1">
+            <a:extLst>
+              <a:ext uri="{FF2B5EF4-FFF2-40B4-BE49-F238E27FC236}">
+                <a16:creationId xmlns:a16="http://schemas.microsoft.com/office/drawing/2014/main" id="{B6E05EDB-1171-3173-AF46-6D43F4D6A2D9}"/>
+              </a:ext>
+            </a:extLst>
+          </p:cNvPr>
+          <p:cNvGrpSpPr/>
+          <p:nvPr/>
+        </p:nvGrpSpPr>
+        <p:grpSpPr>
+          <a:xfrm>
+            <a:off x="6932334" y="3662511"/>
+            <a:ext cx="3953692" cy="2299061"/>
+            <a:chOff x="775061" y="2917371"/>
+            <a:chExt cx="3953692" cy="2299061"/>
+          </a:xfrm>
+        </p:grpSpPr>
+        <p:sp>
+          <p:nvSpPr>
+            <p:cNvPr id="9" name="Rectangle 8">
+              <a:extLst>
+                <a:ext uri="{FF2B5EF4-FFF2-40B4-BE49-F238E27FC236}">
+                  <a16:creationId xmlns:a16="http://schemas.microsoft.com/office/drawing/2014/main" id="{7163D692-A979-55EF-075A-24F4B822B28C}"/>
+                </a:ext>
+              </a:extLst>
+            </p:cNvPr>
+            <p:cNvSpPr/>
+            <p:nvPr/>
+          </p:nvSpPr>
+          <p:spPr>
+            <a:xfrm>
+              <a:off x="775061" y="2917371"/>
+              <a:ext cx="3953692" cy="2299061"/>
+            </a:xfrm>
+            <a:prstGeom prst="rect">
+              <a:avLst/>
+            </a:prstGeom>
+            <a:ln>
+              <a:noFill/>
+            </a:ln>
+          </p:spPr>
+          <p:style>
+            <a:lnRef idx="2">
+              <a:schemeClr val="accent1">
+                <a:shade val="15000"/>
+              </a:schemeClr>
+            </a:lnRef>
+            <a:fillRef idx="1">
+              <a:schemeClr val="accent1"/>
+            </a:fillRef>
+            <a:effectRef idx="0">
+              <a:schemeClr val="accent1"/>
+            </a:effectRef>
+            <a:fontRef idx="minor">
+              <a:schemeClr val="lt1"/>
+            </a:fontRef>
+          </p:style>
+          <p:txBody>
+            <a:bodyPr rtlCol="0" anchor="ctr"/>
+            <a:lstStyle/>
+            <a:p>
+              <a:pPr algn="ctr"/>
+              <a:endParaRPr lang="en-AU"/>
+            </a:p>
+          </p:txBody>
+        </p:sp>
+        <p:sp>
+          <p:nvSpPr>
+            <p:cNvPr id="13" name="Rectangle 12">
+              <a:extLst>
+                <a:ext uri="{FF2B5EF4-FFF2-40B4-BE49-F238E27FC236}">
+                  <a16:creationId xmlns:a16="http://schemas.microsoft.com/office/drawing/2014/main" id="{60F544C4-E08D-BEFB-C629-99C552A8ACA6}"/>
+                </a:ext>
+              </a:extLst>
+            </p:cNvPr>
+            <p:cNvSpPr/>
+            <p:nvPr/>
+          </p:nvSpPr>
+          <p:spPr>
+            <a:xfrm>
+              <a:off x="1086821" y="3072626"/>
+              <a:ext cx="3326673" cy="769441"/>
+            </a:xfrm>
+            <a:prstGeom prst="rect">
+              <a:avLst/>
+            </a:prstGeom>
+            <a:noFill/>
+            <a:ln>
+              <a:noFill/>
+            </a:ln>
+            <a:effectLst>
+              <a:outerShdw blurRad="50800" dist="38100" dir="2700000" algn="tl" rotWithShape="0">
+                <a:prstClr val="black">
+                  <a:alpha val="40000"/>
+                </a:prstClr>
+              </a:outerShdw>
+            </a:effectLst>
+          </p:spPr>
+          <p:style>
+            <a:lnRef idx="2">
+              <a:schemeClr val="dk1"/>
+            </a:lnRef>
+            <a:fillRef idx="1">
+              <a:schemeClr val="lt1"/>
+            </a:fillRef>
+            <a:effectRef idx="0">
+              <a:schemeClr val="dk1"/>
+            </a:effectRef>
+            <a:fontRef idx="minor">
+              <a:schemeClr val="dk1"/>
+            </a:fontRef>
+          </p:style>
+          <p:txBody>
+            <a:bodyPr wrap="square" lIns="91440" tIns="45720" rIns="91440" bIns="45720">
+              <a:spAutoFit/>
+            </a:bodyPr>
+            <a:lstStyle/>
+            <a:p>
+              <a:r>
+                <a:rPr lang="en-US" sz="4400" dirty="0">
+                  <a:ln w="0"/>
+                  <a:solidFill>
+                    <a:schemeClr val="bg1">
+                      <a:lumMod val="85000"/>
+                    </a:schemeClr>
+                  </a:solidFill>
+                  <a:effectLst>
+                    <a:outerShdw blurRad="38100" dist="19050" dir="2700000" algn="tl" rotWithShape="0">
+                      <a:schemeClr val="dk1">
+                        <a:alpha val="40000"/>
+                      </a:schemeClr>
+                    </a:outerShdw>
+                  </a:effectLst>
+                  <a:latin typeface="Arial Black" panose="020B0A04020102020204" pitchFamily="34" charset="0"/>
+                </a:rPr>
+                <a:t>AI</a:t>
+              </a:r>
+              <a:r>
+                <a:rPr lang="en-US" sz="2400" dirty="0">
+                  <a:ln w="0"/>
+                  <a:solidFill>
+                    <a:schemeClr val="bg1">
+                      <a:lumMod val="85000"/>
+                    </a:schemeClr>
+                  </a:solidFill>
+                  <a:effectLst>
+                    <a:outerShdw blurRad="38100" dist="19050" dir="2700000" algn="tl" rotWithShape="0">
+                      <a:schemeClr val="dk1">
+                        <a:alpha val="40000"/>
+                      </a:schemeClr>
+                    </a:outerShdw>
+                  </a:effectLst>
+                  <a:latin typeface="Arial Black" panose="020B0A04020102020204" pitchFamily="34" charset="0"/>
+                </a:rPr>
+                <a:t>&amp;</a:t>
+              </a:r>
+              <a:r>
+                <a:rPr lang="en-US" sz="4400" dirty="0">
+                  <a:ln w="0"/>
+                  <a:solidFill>
+                    <a:schemeClr val="bg1">
+                      <a:lumMod val="85000"/>
+                    </a:schemeClr>
+                  </a:solidFill>
+                  <a:effectLst>
+                    <a:outerShdw blurRad="38100" dist="19050" dir="2700000" algn="tl" rotWithShape="0">
+                      <a:schemeClr val="dk1">
+                        <a:alpha val="40000"/>
+                      </a:schemeClr>
+                    </a:outerShdw>
+                  </a:effectLst>
+                  <a:latin typeface="Arial Black" panose="020B0A04020102020204" pitchFamily="34" charset="0"/>
+                </a:rPr>
+                <a:t>ML</a:t>
+              </a:r>
+            </a:p>
+          </p:txBody>
+        </p:sp>
+        <p:sp>
+          <p:nvSpPr>
+            <p:cNvPr id="14" name="Rectangle 13">
+              <a:extLst>
+                <a:ext uri="{FF2B5EF4-FFF2-40B4-BE49-F238E27FC236}">
+                  <a16:creationId xmlns:a16="http://schemas.microsoft.com/office/drawing/2014/main" id="{C019A15E-5ABF-93F4-5692-A1302DCF5F82}"/>
+                </a:ext>
+              </a:extLst>
+            </p:cNvPr>
+            <p:cNvSpPr/>
+            <p:nvPr/>
+          </p:nvSpPr>
+          <p:spPr>
+            <a:xfrm>
+              <a:off x="1086822" y="3799491"/>
+              <a:ext cx="1227836" cy="369332"/>
+            </a:xfrm>
+            <a:prstGeom prst="rect">
+              <a:avLst/>
+            </a:prstGeom>
+            <a:noFill/>
+          </p:spPr>
+          <p:txBody>
+            <a:bodyPr wrap="square" lIns="91440" tIns="45720" rIns="91440" bIns="45720">
+              <a:spAutoFit/>
+            </a:bodyPr>
+            <a:lstStyle/>
+            <a:p>
+              <a:r>
+                <a:rPr lang="en-US" b="0" cap="none" spc="0" dirty="0">
+                  <a:ln w="0"/>
+                  <a:solidFill>
+                    <a:schemeClr val="bg1">
+                      <a:lumMod val="85000"/>
+                    </a:schemeClr>
+                  </a:solidFill>
+                  <a:effectLst>
+                    <a:outerShdw blurRad="38100" dist="19050" dir="2700000" algn="tl" rotWithShape="0">
+                      <a:schemeClr val="dk1">
+                        <a:alpha val="40000"/>
+                      </a:schemeClr>
+                    </a:outerShdw>
+                  </a:effectLst>
+                  <a:latin typeface="Arial Black" panose="020B0A04020102020204" pitchFamily="34" charset="0"/>
+                </a:rPr>
+                <a:t>FOR</a:t>
+              </a:r>
+            </a:p>
+          </p:txBody>
+        </p:sp>
+        <p:sp>
+          <p:nvSpPr>
+            <p:cNvPr id="16" name="Rectangle 15">
+              <a:extLst>
+                <a:ext uri="{FF2B5EF4-FFF2-40B4-BE49-F238E27FC236}">
+                  <a16:creationId xmlns:a16="http://schemas.microsoft.com/office/drawing/2014/main" id="{155EF736-9DB1-A732-9229-5EEF16616F85}"/>
+                </a:ext>
+              </a:extLst>
+            </p:cNvPr>
+            <p:cNvSpPr/>
+            <p:nvPr/>
+          </p:nvSpPr>
+          <p:spPr>
+            <a:xfrm>
+              <a:off x="1088573" y="4164765"/>
+              <a:ext cx="3326673" cy="954107"/>
+            </a:xfrm>
+            <a:prstGeom prst="rect">
+              <a:avLst/>
+            </a:prstGeom>
+            <a:noFill/>
+            <a:ln>
+              <a:noFill/>
+            </a:ln>
+            <a:effectLst>
+              <a:outerShdw blurRad="50800" dist="38100" dir="2700000" algn="tl" rotWithShape="0">
+                <a:prstClr val="black">
+                  <a:alpha val="40000"/>
+                </a:prstClr>
+              </a:outerShdw>
+            </a:effectLst>
+          </p:spPr>
+          <p:style>
+            <a:lnRef idx="2">
+              <a:schemeClr val="dk1"/>
+            </a:lnRef>
+            <a:fillRef idx="1">
+              <a:schemeClr val="lt1"/>
+            </a:fillRef>
+            <a:effectRef idx="0">
+              <a:schemeClr val="dk1"/>
+            </a:effectRef>
+            <a:fontRef idx="minor">
+              <a:schemeClr val="dk1"/>
+            </a:fontRef>
+          </p:style>
+          <p:txBody>
+            <a:bodyPr wrap="square" lIns="91440" tIns="45720" rIns="91440" bIns="45720">
+              <a:spAutoFit/>
+            </a:bodyPr>
+            <a:lstStyle/>
+            <a:p>
+              <a:r>
+                <a:rPr lang="en-US" sz="2800" dirty="0">
+                  <a:ln w="0"/>
+                  <a:solidFill>
+                    <a:schemeClr val="bg1">
+                      <a:lumMod val="85000"/>
+                    </a:schemeClr>
+                  </a:solidFill>
+                  <a:effectLst>
+                    <a:outerShdw blurRad="38100" dist="19050" dir="2700000" algn="tl" rotWithShape="0">
+                      <a:schemeClr val="dk1">
+                        <a:alpha val="40000"/>
+                      </a:schemeClr>
+                    </a:outerShdw>
+                  </a:effectLst>
+                  <a:latin typeface="Arial Black" panose="020B0A04020102020204" pitchFamily="34" charset="0"/>
+                </a:rPr>
+                <a:t>NETWORK</a:t>
+              </a:r>
+            </a:p>
+            <a:p>
+              <a:pPr algn="r"/>
+              <a:r>
+                <a:rPr lang="en-US" sz="2800" dirty="0">
+                  <a:ln w="0"/>
+                  <a:solidFill>
+                    <a:schemeClr val="bg1">
+                      <a:lumMod val="85000"/>
+                    </a:schemeClr>
+                  </a:solidFill>
+                  <a:effectLst>
+                    <a:outerShdw blurRad="38100" dist="19050" dir="2700000" algn="tl" rotWithShape="0">
+                      <a:schemeClr val="dk1">
+                        <a:alpha val="40000"/>
+                      </a:schemeClr>
+                    </a:outerShdw>
+                  </a:effectLst>
+                  <a:latin typeface="Arial Black" panose="020B0A04020102020204" pitchFamily="34" charset="0"/>
+                </a:rPr>
+                <a:t>  ENGNEERS</a:t>
               </a:r>
             </a:p>
           </p:txBody>
@@ -4938,7 +5266,7 @@
           </p:nvSpPr>
           <p:spPr>
             <a:xfrm>
-              <a:off x="1734592" y="2522197"/>
+              <a:off x="1734592" y="2485621"/>
               <a:ext cx="2818400" cy="738664"/>
             </a:xfrm>
             <a:prstGeom prst="rect">
@@ -5013,8 +5341,8 @@
           </p:nvSpPr>
           <p:spPr>
             <a:xfrm>
-              <a:off x="1423849" y="3316972"/>
-              <a:ext cx="3439886" cy="1077218"/>
+              <a:off x="1280160" y="3182860"/>
+              <a:ext cx="3726394" cy="1384995"/>
             </a:xfrm>
             <a:prstGeom prst="rect">
               <a:avLst/>
@@ -5053,7 +5381,7 @@
             <a:p>
               <a:pPr algn="ctr"/>
               <a:r>
-                <a:rPr lang="en-US" sz="3200" dirty="0">
+                <a:rPr lang="en-US" sz="2800" dirty="0">
                   <a:ln w="0"/>
                   <a:solidFill>
                     <a:schemeClr val="bg1">
@@ -5069,29 +5397,7 @@
                   </a:effectLst>
                   <a:latin typeface="Arial Black" panose="020B0A04020102020204" pitchFamily="34" charset="0"/>
                 </a:rPr>
-                <a:t>Segment</a:t>
-              </a:r>
-            </a:p>
-            <a:p>
-              <a:pPr algn="ctr"/>
-              <a:r>
-                <a:rPr lang="en-US" sz="3200" dirty="0">
-                  <a:ln w="0"/>
-                  <a:solidFill>
-                    <a:schemeClr val="bg1">
-                      <a:lumMod val="85000"/>
-                    </a:schemeClr>
-                  </a:solidFill>
-                  <a:effectLst>
-                    <a:outerShdw blurRad="38100" dist="19050" dir="2700000" algn="tl" rotWithShape="0">
-                      <a:schemeClr val="dk1">
-                        <a:alpha val="40000"/>
-                      </a:schemeClr>
-                    </a:outerShdw>
-                  </a:effectLst>
-                  <a:latin typeface="Arial Black" panose="020B0A04020102020204" pitchFamily="34" charset="0"/>
-                </a:rPr>
-                <a:t>Routing</a:t>
+                <a:t>Segment Routing with MPLS Data Plane</a:t>
               </a:r>
             </a:p>
           </p:txBody>
@@ -5180,7 +5486,7 @@
           </p:nvSpPr>
           <p:spPr>
             <a:xfrm>
-              <a:off x="2303659" y="2522197"/>
+              <a:off x="2303659" y="2473429"/>
               <a:ext cx="1680267" cy="738664"/>
             </a:xfrm>
             <a:prstGeom prst="rect">
@@ -5255,8 +5561,8 @@
           </p:nvSpPr>
           <p:spPr>
             <a:xfrm>
-              <a:off x="1423849" y="3316972"/>
-              <a:ext cx="3439886" cy="1077218"/>
+              <a:off x="1267969" y="3170668"/>
+              <a:ext cx="3726394" cy="1384995"/>
             </a:xfrm>
             <a:prstGeom prst="rect">
               <a:avLst/>
@@ -5295,7 +5601,7 @@
             <a:p>
               <a:pPr algn="ctr"/>
               <a:r>
-                <a:rPr lang="en-US" sz="3200" dirty="0">
+                <a:rPr lang="en-US" sz="2800" dirty="0">
                   <a:ln w="0"/>
                   <a:solidFill>
                     <a:schemeClr val="bg1">
@@ -5311,29 +5617,7 @@
                   </a:effectLst>
                   <a:latin typeface="Arial Black" panose="020B0A04020102020204" pitchFamily="34" charset="0"/>
                 </a:rPr>
-                <a:t>Segment</a:t>
-              </a:r>
-            </a:p>
-            <a:p>
-              <a:pPr algn="ctr"/>
-              <a:r>
-                <a:rPr lang="en-US" sz="3200" dirty="0">
-                  <a:ln w="0"/>
-                  <a:solidFill>
-                    <a:schemeClr val="bg1">
-                      <a:lumMod val="85000"/>
-                    </a:schemeClr>
-                  </a:solidFill>
-                  <a:effectLst>
-                    <a:outerShdw blurRad="38100" dist="19050" dir="2700000" algn="tl" rotWithShape="0">
-                      <a:schemeClr val="dk1">
-                        <a:alpha val="40000"/>
-                      </a:schemeClr>
-                    </a:outerShdw>
-                  </a:effectLst>
-                  <a:latin typeface="Arial Black" panose="020B0A04020102020204" pitchFamily="34" charset="0"/>
-                </a:rPr>
-                <a:t>Routing</a:t>
+                <a:t>Segment Routing with IPv6 Data Plane</a:t>
               </a:r>
             </a:p>
           </p:txBody>

--- a/Thumbnail.pptx
+++ b/Thumbnail.pptx
@@ -264,7 +264,7 @@
           <a:p>
             <a:fld id="{78891461-C6EA-4276-8BAF-69066A4B608C}" type="datetimeFigureOut">
               <a:rPr lang="en-AU" smtClean="0"/>
-              <a:t>17/02/2026</a:t>
+              <a:t>22/02/2026</a:t>
             </a:fld>
             <a:endParaRPr lang="en-AU"/>
           </a:p>
@@ -464,7 +464,7 @@
           <a:p>
             <a:fld id="{78891461-C6EA-4276-8BAF-69066A4B608C}" type="datetimeFigureOut">
               <a:rPr lang="en-AU" smtClean="0"/>
-              <a:t>17/02/2026</a:t>
+              <a:t>22/02/2026</a:t>
             </a:fld>
             <a:endParaRPr lang="en-AU"/>
           </a:p>
@@ -674,7 +674,7 @@
           <a:p>
             <a:fld id="{78891461-C6EA-4276-8BAF-69066A4B608C}" type="datetimeFigureOut">
               <a:rPr lang="en-AU" smtClean="0"/>
-              <a:t>17/02/2026</a:t>
+              <a:t>22/02/2026</a:t>
             </a:fld>
             <a:endParaRPr lang="en-AU"/>
           </a:p>
@@ -874,7 +874,7 @@
           <a:p>
             <a:fld id="{78891461-C6EA-4276-8BAF-69066A4B608C}" type="datetimeFigureOut">
               <a:rPr lang="en-AU" smtClean="0"/>
-              <a:t>17/02/2026</a:t>
+              <a:t>22/02/2026</a:t>
             </a:fld>
             <a:endParaRPr lang="en-AU"/>
           </a:p>
@@ -1150,7 +1150,7 @@
           <a:p>
             <a:fld id="{78891461-C6EA-4276-8BAF-69066A4B608C}" type="datetimeFigureOut">
               <a:rPr lang="en-AU" smtClean="0"/>
-              <a:t>17/02/2026</a:t>
+              <a:t>22/02/2026</a:t>
             </a:fld>
             <a:endParaRPr lang="en-AU"/>
           </a:p>
@@ -1418,7 +1418,7 @@
           <a:p>
             <a:fld id="{78891461-C6EA-4276-8BAF-69066A4B608C}" type="datetimeFigureOut">
               <a:rPr lang="en-AU" smtClean="0"/>
-              <a:t>17/02/2026</a:t>
+              <a:t>22/02/2026</a:t>
             </a:fld>
             <a:endParaRPr lang="en-AU"/>
           </a:p>
@@ -1833,7 +1833,7 @@
           <a:p>
             <a:fld id="{78891461-C6EA-4276-8BAF-69066A4B608C}" type="datetimeFigureOut">
               <a:rPr lang="en-AU" smtClean="0"/>
-              <a:t>17/02/2026</a:t>
+              <a:t>22/02/2026</a:t>
             </a:fld>
             <a:endParaRPr lang="en-AU"/>
           </a:p>
@@ -1975,7 +1975,7 @@
           <a:p>
             <a:fld id="{78891461-C6EA-4276-8BAF-69066A4B608C}" type="datetimeFigureOut">
               <a:rPr lang="en-AU" smtClean="0"/>
-              <a:t>17/02/2026</a:t>
+              <a:t>22/02/2026</a:t>
             </a:fld>
             <a:endParaRPr lang="en-AU"/>
           </a:p>
@@ -2088,7 +2088,7 @@
           <a:p>
             <a:fld id="{78891461-C6EA-4276-8BAF-69066A4B608C}" type="datetimeFigureOut">
               <a:rPr lang="en-AU" smtClean="0"/>
-              <a:t>17/02/2026</a:t>
+              <a:t>22/02/2026</a:t>
             </a:fld>
             <a:endParaRPr lang="en-AU"/>
           </a:p>
@@ -2401,7 +2401,7 @@
           <a:p>
             <a:fld id="{78891461-C6EA-4276-8BAF-69066A4B608C}" type="datetimeFigureOut">
               <a:rPr lang="en-AU" smtClean="0"/>
-              <a:t>17/02/2026</a:t>
+              <a:t>22/02/2026</a:t>
             </a:fld>
             <a:endParaRPr lang="en-AU"/>
           </a:p>
@@ -2690,7 +2690,7 @@
           <a:p>
             <a:fld id="{78891461-C6EA-4276-8BAF-69066A4B608C}" type="datetimeFigureOut">
               <a:rPr lang="en-AU" smtClean="0"/>
-              <a:t>17/02/2026</a:t>
+              <a:t>22/02/2026</a:t>
             </a:fld>
             <a:endParaRPr lang="en-AU"/>
           </a:p>
@@ -2933,7 +2933,7 @@
           <a:p>
             <a:fld id="{78891461-C6EA-4276-8BAF-69066A4B608C}" type="datetimeFigureOut">
               <a:rPr lang="en-AU" smtClean="0"/>
-              <a:t>17/02/2026</a:t>
+              <a:t>22/02/2026</a:t>
             </a:fld>
             <a:endParaRPr lang="en-AU"/>
           </a:p>
@@ -4206,334 +4206,6 @@
           </p:txBody>
         </p:sp>
       </p:grpSp>
-      <p:grpSp>
-        <p:nvGrpSpPr>
-          <p:cNvPr id="2" name="Group 1">
-            <a:extLst>
-              <a:ext uri="{FF2B5EF4-FFF2-40B4-BE49-F238E27FC236}">
-                <a16:creationId xmlns:a16="http://schemas.microsoft.com/office/drawing/2014/main" id="{B6E05EDB-1171-3173-AF46-6D43F4D6A2D9}"/>
-              </a:ext>
-            </a:extLst>
-          </p:cNvPr>
-          <p:cNvGrpSpPr/>
-          <p:nvPr/>
-        </p:nvGrpSpPr>
-        <p:grpSpPr>
-          <a:xfrm>
-            <a:off x="6932334" y="3662511"/>
-            <a:ext cx="3953692" cy="2299061"/>
-            <a:chOff x="775061" y="2917371"/>
-            <a:chExt cx="3953692" cy="2299061"/>
-          </a:xfrm>
-        </p:grpSpPr>
-        <p:sp>
-          <p:nvSpPr>
-            <p:cNvPr id="9" name="Rectangle 8">
-              <a:extLst>
-                <a:ext uri="{FF2B5EF4-FFF2-40B4-BE49-F238E27FC236}">
-                  <a16:creationId xmlns:a16="http://schemas.microsoft.com/office/drawing/2014/main" id="{7163D692-A979-55EF-075A-24F4B822B28C}"/>
-                </a:ext>
-              </a:extLst>
-            </p:cNvPr>
-            <p:cNvSpPr/>
-            <p:nvPr/>
-          </p:nvSpPr>
-          <p:spPr>
-            <a:xfrm>
-              <a:off x="775061" y="2917371"/>
-              <a:ext cx="3953692" cy="2299061"/>
-            </a:xfrm>
-            <a:prstGeom prst="rect">
-              <a:avLst/>
-            </a:prstGeom>
-            <a:ln>
-              <a:noFill/>
-            </a:ln>
-          </p:spPr>
-          <p:style>
-            <a:lnRef idx="2">
-              <a:schemeClr val="accent1">
-                <a:shade val="15000"/>
-              </a:schemeClr>
-            </a:lnRef>
-            <a:fillRef idx="1">
-              <a:schemeClr val="accent1"/>
-            </a:fillRef>
-            <a:effectRef idx="0">
-              <a:schemeClr val="accent1"/>
-            </a:effectRef>
-            <a:fontRef idx="minor">
-              <a:schemeClr val="lt1"/>
-            </a:fontRef>
-          </p:style>
-          <p:txBody>
-            <a:bodyPr rtlCol="0" anchor="ctr"/>
-            <a:lstStyle/>
-            <a:p>
-              <a:pPr algn="ctr"/>
-              <a:endParaRPr lang="en-AU"/>
-            </a:p>
-          </p:txBody>
-        </p:sp>
-        <p:sp>
-          <p:nvSpPr>
-            <p:cNvPr id="13" name="Rectangle 12">
-              <a:extLst>
-                <a:ext uri="{FF2B5EF4-FFF2-40B4-BE49-F238E27FC236}">
-                  <a16:creationId xmlns:a16="http://schemas.microsoft.com/office/drawing/2014/main" id="{60F544C4-E08D-BEFB-C629-99C552A8ACA6}"/>
-                </a:ext>
-              </a:extLst>
-            </p:cNvPr>
-            <p:cNvSpPr/>
-            <p:nvPr/>
-          </p:nvSpPr>
-          <p:spPr>
-            <a:xfrm>
-              <a:off x="1086821" y="3072626"/>
-              <a:ext cx="3326673" cy="769441"/>
-            </a:xfrm>
-            <a:prstGeom prst="rect">
-              <a:avLst/>
-            </a:prstGeom>
-            <a:noFill/>
-            <a:ln>
-              <a:noFill/>
-            </a:ln>
-            <a:effectLst>
-              <a:outerShdw blurRad="50800" dist="38100" dir="2700000" algn="tl" rotWithShape="0">
-                <a:prstClr val="black">
-                  <a:alpha val="40000"/>
-                </a:prstClr>
-              </a:outerShdw>
-            </a:effectLst>
-          </p:spPr>
-          <p:style>
-            <a:lnRef idx="2">
-              <a:schemeClr val="dk1"/>
-            </a:lnRef>
-            <a:fillRef idx="1">
-              <a:schemeClr val="lt1"/>
-            </a:fillRef>
-            <a:effectRef idx="0">
-              <a:schemeClr val="dk1"/>
-            </a:effectRef>
-            <a:fontRef idx="minor">
-              <a:schemeClr val="dk1"/>
-            </a:fontRef>
-          </p:style>
-          <p:txBody>
-            <a:bodyPr wrap="square" lIns="91440" tIns="45720" rIns="91440" bIns="45720">
-              <a:spAutoFit/>
-            </a:bodyPr>
-            <a:lstStyle/>
-            <a:p>
-              <a:r>
-                <a:rPr lang="en-US" sz="4400" dirty="0">
-                  <a:ln w="0"/>
-                  <a:solidFill>
-                    <a:schemeClr val="bg1">
-                      <a:lumMod val="85000"/>
-                    </a:schemeClr>
-                  </a:solidFill>
-                  <a:effectLst>
-                    <a:outerShdw blurRad="38100" dist="19050" dir="2700000" algn="tl" rotWithShape="0">
-                      <a:schemeClr val="dk1">
-                        <a:alpha val="40000"/>
-                      </a:schemeClr>
-                    </a:outerShdw>
-                  </a:effectLst>
-                  <a:latin typeface="Arial Black" panose="020B0A04020102020204" pitchFamily="34" charset="0"/>
-                </a:rPr>
-                <a:t>AI</a:t>
-              </a:r>
-              <a:r>
-                <a:rPr lang="en-US" sz="2400" dirty="0">
-                  <a:ln w="0"/>
-                  <a:solidFill>
-                    <a:schemeClr val="bg1">
-                      <a:lumMod val="85000"/>
-                    </a:schemeClr>
-                  </a:solidFill>
-                  <a:effectLst>
-                    <a:outerShdw blurRad="38100" dist="19050" dir="2700000" algn="tl" rotWithShape="0">
-                      <a:schemeClr val="dk1">
-                        <a:alpha val="40000"/>
-                      </a:schemeClr>
-                    </a:outerShdw>
-                  </a:effectLst>
-                  <a:latin typeface="Arial Black" panose="020B0A04020102020204" pitchFamily="34" charset="0"/>
-                </a:rPr>
-                <a:t>&amp;</a:t>
-              </a:r>
-              <a:r>
-                <a:rPr lang="en-US" sz="4400" dirty="0">
-                  <a:ln w="0"/>
-                  <a:solidFill>
-                    <a:schemeClr val="bg1">
-                      <a:lumMod val="85000"/>
-                    </a:schemeClr>
-                  </a:solidFill>
-                  <a:effectLst>
-                    <a:outerShdw blurRad="38100" dist="19050" dir="2700000" algn="tl" rotWithShape="0">
-                      <a:schemeClr val="dk1">
-                        <a:alpha val="40000"/>
-                      </a:schemeClr>
-                    </a:outerShdw>
-                  </a:effectLst>
-                  <a:latin typeface="Arial Black" panose="020B0A04020102020204" pitchFamily="34" charset="0"/>
-                </a:rPr>
-                <a:t>ML</a:t>
-              </a:r>
-            </a:p>
-          </p:txBody>
-        </p:sp>
-        <p:sp>
-          <p:nvSpPr>
-            <p:cNvPr id="14" name="Rectangle 13">
-              <a:extLst>
-                <a:ext uri="{FF2B5EF4-FFF2-40B4-BE49-F238E27FC236}">
-                  <a16:creationId xmlns:a16="http://schemas.microsoft.com/office/drawing/2014/main" id="{C019A15E-5ABF-93F4-5692-A1302DCF5F82}"/>
-                </a:ext>
-              </a:extLst>
-            </p:cNvPr>
-            <p:cNvSpPr/>
-            <p:nvPr/>
-          </p:nvSpPr>
-          <p:spPr>
-            <a:xfrm>
-              <a:off x="1086822" y="3799491"/>
-              <a:ext cx="1227836" cy="369332"/>
-            </a:xfrm>
-            <a:prstGeom prst="rect">
-              <a:avLst/>
-            </a:prstGeom>
-            <a:noFill/>
-          </p:spPr>
-          <p:txBody>
-            <a:bodyPr wrap="square" lIns="91440" tIns="45720" rIns="91440" bIns="45720">
-              <a:spAutoFit/>
-            </a:bodyPr>
-            <a:lstStyle/>
-            <a:p>
-              <a:r>
-                <a:rPr lang="en-US" b="0" cap="none" spc="0" dirty="0">
-                  <a:ln w="0"/>
-                  <a:solidFill>
-                    <a:schemeClr val="bg1">
-                      <a:lumMod val="85000"/>
-                    </a:schemeClr>
-                  </a:solidFill>
-                  <a:effectLst>
-                    <a:outerShdw blurRad="38100" dist="19050" dir="2700000" algn="tl" rotWithShape="0">
-                      <a:schemeClr val="dk1">
-                        <a:alpha val="40000"/>
-                      </a:schemeClr>
-                    </a:outerShdw>
-                  </a:effectLst>
-                  <a:latin typeface="Arial Black" panose="020B0A04020102020204" pitchFamily="34" charset="0"/>
-                </a:rPr>
-                <a:t>FOR</a:t>
-              </a:r>
-            </a:p>
-          </p:txBody>
-        </p:sp>
-        <p:sp>
-          <p:nvSpPr>
-            <p:cNvPr id="16" name="Rectangle 15">
-              <a:extLst>
-                <a:ext uri="{FF2B5EF4-FFF2-40B4-BE49-F238E27FC236}">
-                  <a16:creationId xmlns:a16="http://schemas.microsoft.com/office/drawing/2014/main" id="{155EF736-9DB1-A732-9229-5EEF16616F85}"/>
-                </a:ext>
-              </a:extLst>
-            </p:cNvPr>
-            <p:cNvSpPr/>
-            <p:nvPr/>
-          </p:nvSpPr>
-          <p:spPr>
-            <a:xfrm>
-              <a:off x="1088573" y="4164765"/>
-              <a:ext cx="3326673" cy="954107"/>
-            </a:xfrm>
-            <a:prstGeom prst="rect">
-              <a:avLst/>
-            </a:prstGeom>
-            <a:noFill/>
-            <a:ln>
-              <a:noFill/>
-            </a:ln>
-            <a:effectLst>
-              <a:outerShdw blurRad="50800" dist="38100" dir="2700000" algn="tl" rotWithShape="0">
-                <a:prstClr val="black">
-                  <a:alpha val="40000"/>
-                </a:prstClr>
-              </a:outerShdw>
-            </a:effectLst>
-          </p:spPr>
-          <p:style>
-            <a:lnRef idx="2">
-              <a:schemeClr val="dk1"/>
-            </a:lnRef>
-            <a:fillRef idx="1">
-              <a:schemeClr val="lt1"/>
-            </a:fillRef>
-            <a:effectRef idx="0">
-              <a:schemeClr val="dk1"/>
-            </a:effectRef>
-            <a:fontRef idx="minor">
-              <a:schemeClr val="dk1"/>
-            </a:fontRef>
-          </p:style>
-          <p:txBody>
-            <a:bodyPr wrap="square" lIns="91440" tIns="45720" rIns="91440" bIns="45720">
-              <a:spAutoFit/>
-            </a:bodyPr>
-            <a:lstStyle/>
-            <a:p>
-              <a:r>
-                <a:rPr lang="en-US" sz="2800" dirty="0">
-                  <a:ln w="0"/>
-                  <a:solidFill>
-                    <a:schemeClr val="bg1">
-                      <a:lumMod val="85000"/>
-                    </a:schemeClr>
-                  </a:solidFill>
-                  <a:effectLst>
-                    <a:outerShdw blurRad="38100" dist="19050" dir="2700000" algn="tl" rotWithShape="0">
-                      <a:schemeClr val="dk1">
-                        <a:alpha val="40000"/>
-                      </a:schemeClr>
-                    </a:outerShdw>
-                  </a:effectLst>
-                  <a:latin typeface="Arial Black" panose="020B0A04020102020204" pitchFamily="34" charset="0"/>
-                </a:rPr>
-                <a:t>NETWORK</a:t>
-              </a:r>
-            </a:p>
-            <a:p>
-              <a:pPr algn="r"/>
-              <a:r>
-                <a:rPr lang="en-US" sz="2800" dirty="0">
-                  <a:ln w="0"/>
-                  <a:solidFill>
-                    <a:schemeClr val="bg1">
-                      <a:lumMod val="85000"/>
-                    </a:schemeClr>
-                  </a:solidFill>
-                  <a:effectLst>
-                    <a:outerShdw blurRad="38100" dist="19050" dir="2700000" algn="tl" rotWithShape="0">
-                      <a:schemeClr val="dk1">
-                        <a:alpha val="40000"/>
-                      </a:schemeClr>
-                    </a:outerShdw>
-                  </a:effectLst>
-                  <a:latin typeface="Arial Black" panose="020B0A04020102020204" pitchFamily="34" charset="0"/>
-                </a:rPr>
-                <a:t>  ENGNEERS</a:t>
-              </a:r>
-            </a:p>
-          </p:txBody>
-        </p:sp>
-      </p:grpSp>
     </p:spTree>
     <p:extLst>
       <p:ext uri="{BB962C8B-B14F-4D97-AF65-F5344CB8AC3E}">
@@ -5653,6 +5325,641 @@
           <a:chExt cx="0" cy="0"/>
         </a:xfrm>
       </p:grpSpPr>
+      <p:grpSp>
+        <p:nvGrpSpPr>
+          <p:cNvPr id="2" name="Group 1">
+            <a:extLst>
+              <a:ext uri="{FF2B5EF4-FFF2-40B4-BE49-F238E27FC236}">
+                <a16:creationId xmlns:a16="http://schemas.microsoft.com/office/drawing/2014/main" id="{7AD54D16-E77E-4848-34B8-E4F2EC75EBBD}"/>
+              </a:ext>
+            </a:extLst>
+          </p:cNvPr>
+          <p:cNvGrpSpPr/>
+          <p:nvPr/>
+        </p:nvGrpSpPr>
+        <p:grpSpPr>
+          <a:xfrm>
+            <a:off x="6932334" y="3662511"/>
+            <a:ext cx="3953692" cy="2299061"/>
+            <a:chOff x="775061" y="2917371"/>
+            <a:chExt cx="3953692" cy="2299061"/>
+          </a:xfrm>
+        </p:grpSpPr>
+        <p:sp>
+          <p:nvSpPr>
+            <p:cNvPr id="3" name="Rectangle 2">
+              <a:extLst>
+                <a:ext uri="{FF2B5EF4-FFF2-40B4-BE49-F238E27FC236}">
+                  <a16:creationId xmlns:a16="http://schemas.microsoft.com/office/drawing/2014/main" id="{EA2A287B-C395-0451-383A-6C90FF4A3AB7}"/>
+                </a:ext>
+              </a:extLst>
+            </p:cNvPr>
+            <p:cNvSpPr/>
+            <p:nvPr/>
+          </p:nvSpPr>
+          <p:spPr>
+            <a:xfrm>
+              <a:off x="775061" y="2917371"/>
+              <a:ext cx="3953692" cy="2299061"/>
+            </a:xfrm>
+            <a:prstGeom prst="rect">
+              <a:avLst/>
+            </a:prstGeom>
+            <a:ln>
+              <a:noFill/>
+            </a:ln>
+          </p:spPr>
+          <p:style>
+            <a:lnRef idx="2">
+              <a:schemeClr val="accent1">
+                <a:shade val="15000"/>
+              </a:schemeClr>
+            </a:lnRef>
+            <a:fillRef idx="1">
+              <a:schemeClr val="accent1"/>
+            </a:fillRef>
+            <a:effectRef idx="0">
+              <a:schemeClr val="accent1"/>
+            </a:effectRef>
+            <a:fontRef idx="minor">
+              <a:schemeClr val="lt1"/>
+            </a:fontRef>
+          </p:style>
+          <p:txBody>
+            <a:bodyPr rtlCol="0" anchor="ctr"/>
+            <a:lstStyle/>
+            <a:p>
+              <a:pPr algn="ctr"/>
+              <a:endParaRPr lang="en-AU"/>
+            </a:p>
+          </p:txBody>
+        </p:sp>
+        <p:sp>
+          <p:nvSpPr>
+            <p:cNvPr id="4" name="Rectangle 3">
+              <a:extLst>
+                <a:ext uri="{FF2B5EF4-FFF2-40B4-BE49-F238E27FC236}">
+                  <a16:creationId xmlns:a16="http://schemas.microsoft.com/office/drawing/2014/main" id="{20AD644C-17E1-D371-AD93-5F1993EFD98D}"/>
+                </a:ext>
+              </a:extLst>
+            </p:cNvPr>
+            <p:cNvSpPr/>
+            <p:nvPr/>
+          </p:nvSpPr>
+          <p:spPr>
+            <a:xfrm>
+              <a:off x="1086821" y="3072626"/>
+              <a:ext cx="3326673" cy="769441"/>
+            </a:xfrm>
+            <a:prstGeom prst="rect">
+              <a:avLst/>
+            </a:prstGeom>
+            <a:noFill/>
+            <a:ln>
+              <a:noFill/>
+            </a:ln>
+            <a:effectLst>
+              <a:outerShdw blurRad="50800" dist="38100" dir="2700000" algn="tl" rotWithShape="0">
+                <a:prstClr val="black">
+                  <a:alpha val="40000"/>
+                </a:prstClr>
+              </a:outerShdw>
+            </a:effectLst>
+          </p:spPr>
+          <p:style>
+            <a:lnRef idx="2">
+              <a:schemeClr val="dk1"/>
+            </a:lnRef>
+            <a:fillRef idx="1">
+              <a:schemeClr val="lt1"/>
+            </a:fillRef>
+            <a:effectRef idx="0">
+              <a:schemeClr val="dk1"/>
+            </a:effectRef>
+            <a:fontRef idx="minor">
+              <a:schemeClr val="dk1"/>
+            </a:fontRef>
+          </p:style>
+          <p:txBody>
+            <a:bodyPr wrap="square" lIns="91440" tIns="45720" rIns="91440" bIns="45720">
+              <a:spAutoFit/>
+            </a:bodyPr>
+            <a:lstStyle/>
+            <a:p>
+              <a:r>
+                <a:rPr lang="en-US" sz="4400" dirty="0">
+                  <a:ln w="0"/>
+                  <a:solidFill>
+                    <a:schemeClr val="bg1">
+                      <a:lumMod val="85000"/>
+                    </a:schemeClr>
+                  </a:solidFill>
+                  <a:effectLst>
+                    <a:outerShdw blurRad="38100" dist="19050" dir="2700000" algn="tl" rotWithShape="0">
+                      <a:schemeClr val="dk1">
+                        <a:alpha val="40000"/>
+                      </a:schemeClr>
+                    </a:outerShdw>
+                  </a:effectLst>
+                  <a:latin typeface="Arial Black" panose="020B0A04020102020204" pitchFamily="34" charset="0"/>
+                </a:rPr>
+                <a:t>AI</a:t>
+              </a:r>
+              <a:r>
+                <a:rPr lang="en-US" sz="2400" dirty="0">
+                  <a:ln w="0"/>
+                  <a:solidFill>
+                    <a:schemeClr val="bg1">
+                      <a:lumMod val="85000"/>
+                    </a:schemeClr>
+                  </a:solidFill>
+                  <a:effectLst>
+                    <a:outerShdw blurRad="38100" dist="19050" dir="2700000" algn="tl" rotWithShape="0">
+                      <a:schemeClr val="dk1">
+                        <a:alpha val="40000"/>
+                      </a:schemeClr>
+                    </a:outerShdw>
+                  </a:effectLst>
+                  <a:latin typeface="Arial Black" panose="020B0A04020102020204" pitchFamily="34" charset="0"/>
+                </a:rPr>
+                <a:t>&amp;</a:t>
+              </a:r>
+              <a:r>
+                <a:rPr lang="en-US" sz="4400" dirty="0">
+                  <a:ln w="0"/>
+                  <a:solidFill>
+                    <a:schemeClr val="bg1">
+                      <a:lumMod val="85000"/>
+                    </a:schemeClr>
+                  </a:solidFill>
+                  <a:effectLst>
+                    <a:outerShdw blurRad="38100" dist="19050" dir="2700000" algn="tl" rotWithShape="0">
+                      <a:schemeClr val="dk1">
+                        <a:alpha val="40000"/>
+                      </a:schemeClr>
+                    </a:outerShdw>
+                  </a:effectLst>
+                  <a:latin typeface="Arial Black" panose="020B0A04020102020204" pitchFamily="34" charset="0"/>
+                </a:rPr>
+                <a:t>ML</a:t>
+              </a:r>
+            </a:p>
+          </p:txBody>
+        </p:sp>
+        <p:sp>
+          <p:nvSpPr>
+            <p:cNvPr id="5" name="Rectangle 4">
+              <a:extLst>
+                <a:ext uri="{FF2B5EF4-FFF2-40B4-BE49-F238E27FC236}">
+                  <a16:creationId xmlns:a16="http://schemas.microsoft.com/office/drawing/2014/main" id="{3828A9AD-CD67-C832-809D-E5A82C014542}"/>
+                </a:ext>
+              </a:extLst>
+            </p:cNvPr>
+            <p:cNvSpPr/>
+            <p:nvPr/>
+          </p:nvSpPr>
+          <p:spPr>
+            <a:xfrm>
+              <a:off x="1086822" y="3799491"/>
+              <a:ext cx="1227836" cy="369332"/>
+            </a:xfrm>
+            <a:prstGeom prst="rect">
+              <a:avLst/>
+            </a:prstGeom>
+            <a:noFill/>
+          </p:spPr>
+          <p:txBody>
+            <a:bodyPr wrap="square" lIns="91440" tIns="45720" rIns="91440" bIns="45720">
+              <a:spAutoFit/>
+            </a:bodyPr>
+            <a:lstStyle/>
+            <a:p>
+              <a:r>
+                <a:rPr lang="en-US" b="0" cap="none" spc="0" dirty="0">
+                  <a:ln w="0"/>
+                  <a:solidFill>
+                    <a:schemeClr val="bg1">
+                      <a:lumMod val="85000"/>
+                    </a:schemeClr>
+                  </a:solidFill>
+                  <a:effectLst>
+                    <a:outerShdw blurRad="38100" dist="19050" dir="2700000" algn="tl" rotWithShape="0">
+                      <a:schemeClr val="dk1">
+                        <a:alpha val="40000"/>
+                      </a:schemeClr>
+                    </a:outerShdw>
+                  </a:effectLst>
+                  <a:latin typeface="Arial Black" panose="020B0A04020102020204" pitchFamily="34" charset="0"/>
+                </a:rPr>
+                <a:t>FOR</a:t>
+              </a:r>
+            </a:p>
+          </p:txBody>
+        </p:sp>
+        <p:sp>
+          <p:nvSpPr>
+            <p:cNvPr id="6" name="Rectangle 5">
+              <a:extLst>
+                <a:ext uri="{FF2B5EF4-FFF2-40B4-BE49-F238E27FC236}">
+                  <a16:creationId xmlns:a16="http://schemas.microsoft.com/office/drawing/2014/main" id="{EBDDC6BE-0D9A-04DC-C7D0-71FBD0DAE814}"/>
+                </a:ext>
+              </a:extLst>
+            </p:cNvPr>
+            <p:cNvSpPr/>
+            <p:nvPr/>
+          </p:nvSpPr>
+          <p:spPr>
+            <a:xfrm>
+              <a:off x="1088573" y="4164765"/>
+              <a:ext cx="3326673" cy="954107"/>
+            </a:xfrm>
+            <a:prstGeom prst="rect">
+              <a:avLst/>
+            </a:prstGeom>
+            <a:noFill/>
+            <a:ln>
+              <a:noFill/>
+            </a:ln>
+            <a:effectLst>
+              <a:outerShdw blurRad="50800" dist="38100" dir="2700000" algn="tl" rotWithShape="0">
+                <a:prstClr val="black">
+                  <a:alpha val="40000"/>
+                </a:prstClr>
+              </a:outerShdw>
+            </a:effectLst>
+          </p:spPr>
+          <p:style>
+            <a:lnRef idx="2">
+              <a:schemeClr val="dk1"/>
+            </a:lnRef>
+            <a:fillRef idx="1">
+              <a:schemeClr val="lt1"/>
+            </a:fillRef>
+            <a:effectRef idx="0">
+              <a:schemeClr val="dk1"/>
+            </a:effectRef>
+            <a:fontRef idx="minor">
+              <a:schemeClr val="dk1"/>
+            </a:fontRef>
+          </p:style>
+          <p:txBody>
+            <a:bodyPr wrap="square" lIns="91440" tIns="45720" rIns="91440" bIns="45720">
+              <a:spAutoFit/>
+            </a:bodyPr>
+            <a:lstStyle/>
+            <a:p>
+              <a:r>
+                <a:rPr lang="en-US" sz="2800" dirty="0">
+                  <a:ln w="0"/>
+                  <a:solidFill>
+                    <a:schemeClr val="bg1">
+                      <a:lumMod val="85000"/>
+                    </a:schemeClr>
+                  </a:solidFill>
+                  <a:effectLst>
+                    <a:outerShdw blurRad="38100" dist="19050" dir="2700000" algn="tl" rotWithShape="0">
+                      <a:schemeClr val="dk1">
+                        <a:alpha val="40000"/>
+                      </a:schemeClr>
+                    </a:outerShdw>
+                  </a:effectLst>
+                  <a:latin typeface="Arial Black" panose="020B0A04020102020204" pitchFamily="34" charset="0"/>
+                </a:rPr>
+                <a:t>NETWORK</a:t>
+              </a:r>
+            </a:p>
+            <a:p>
+              <a:pPr algn="r"/>
+              <a:r>
+                <a:rPr lang="en-US" sz="2800" dirty="0">
+                  <a:ln w="0"/>
+                  <a:solidFill>
+                    <a:schemeClr val="bg1">
+                      <a:lumMod val="85000"/>
+                    </a:schemeClr>
+                  </a:solidFill>
+                  <a:effectLst>
+                    <a:outerShdw blurRad="38100" dist="19050" dir="2700000" algn="tl" rotWithShape="0">
+                      <a:schemeClr val="dk1">
+                        <a:alpha val="40000"/>
+                      </a:schemeClr>
+                    </a:outerShdw>
+                  </a:effectLst>
+                  <a:latin typeface="Arial Black" panose="020B0A04020102020204" pitchFamily="34" charset="0"/>
+                </a:rPr>
+                <a:t>  ENGINEERS</a:t>
+              </a:r>
+            </a:p>
+          </p:txBody>
+        </p:sp>
+      </p:grpSp>
+      <p:grpSp>
+        <p:nvGrpSpPr>
+          <p:cNvPr id="7" name="Group 6">
+            <a:extLst>
+              <a:ext uri="{FF2B5EF4-FFF2-40B4-BE49-F238E27FC236}">
+                <a16:creationId xmlns:a16="http://schemas.microsoft.com/office/drawing/2014/main" id="{D8654A52-24A3-6766-3C47-9C95DAD52068}"/>
+              </a:ext>
+            </a:extLst>
+          </p:cNvPr>
+          <p:cNvGrpSpPr/>
+          <p:nvPr/>
+        </p:nvGrpSpPr>
+        <p:grpSpPr>
+          <a:xfrm>
+            <a:off x="1305974" y="3865693"/>
+            <a:ext cx="5094826" cy="1516203"/>
+            <a:chOff x="1305974" y="3865693"/>
+            <a:chExt cx="5094826" cy="1516203"/>
+          </a:xfrm>
+        </p:grpSpPr>
+        <p:sp>
+          <p:nvSpPr>
+            <p:cNvPr id="8" name="Rectangle 7">
+              <a:extLst>
+                <a:ext uri="{FF2B5EF4-FFF2-40B4-BE49-F238E27FC236}">
+                  <a16:creationId xmlns:a16="http://schemas.microsoft.com/office/drawing/2014/main" id="{3BF65618-8429-D3D0-9691-10F262DCB3C9}"/>
+                </a:ext>
+              </a:extLst>
+            </p:cNvPr>
+            <p:cNvSpPr/>
+            <p:nvPr/>
+          </p:nvSpPr>
+          <p:spPr>
+            <a:xfrm>
+              <a:off x="1305974" y="3865693"/>
+              <a:ext cx="5094826" cy="1516203"/>
+            </a:xfrm>
+            <a:prstGeom prst="rect">
+              <a:avLst/>
+            </a:prstGeom>
+            <a:ln>
+              <a:noFill/>
+            </a:ln>
+          </p:spPr>
+          <p:style>
+            <a:lnRef idx="2">
+              <a:schemeClr val="accent1">
+                <a:shade val="15000"/>
+              </a:schemeClr>
+            </a:lnRef>
+            <a:fillRef idx="1">
+              <a:schemeClr val="accent1"/>
+            </a:fillRef>
+            <a:effectRef idx="0">
+              <a:schemeClr val="accent1"/>
+            </a:effectRef>
+            <a:fontRef idx="minor">
+              <a:schemeClr val="lt1"/>
+            </a:fontRef>
+          </p:style>
+          <p:txBody>
+            <a:bodyPr rtlCol="0" anchor="ctr"/>
+            <a:lstStyle/>
+            <a:p>
+              <a:pPr algn="ctr"/>
+              <a:endParaRPr lang="en-AU"/>
+            </a:p>
+          </p:txBody>
+        </p:sp>
+        <p:sp>
+          <p:nvSpPr>
+            <p:cNvPr id="9" name="Rectangle 8">
+              <a:extLst>
+                <a:ext uri="{FF2B5EF4-FFF2-40B4-BE49-F238E27FC236}">
+                  <a16:creationId xmlns:a16="http://schemas.microsoft.com/office/drawing/2014/main" id="{4E76719A-9F7C-FD5F-29D9-1AA85C9FFF62}"/>
+                </a:ext>
+              </a:extLst>
+            </p:cNvPr>
+            <p:cNvSpPr/>
+            <p:nvPr/>
+          </p:nvSpPr>
+          <p:spPr>
+            <a:xfrm>
+              <a:off x="1586927" y="3933863"/>
+              <a:ext cx="2478974" cy="769441"/>
+            </a:xfrm>
+            <a:prstGeom prst="rect">
+              <a:avLst/>
+            </a:prstGeom>
+            <a:noFill/>
+            <a:ln>
+              <a:noFill/>
+            </a:ln>
+            <a:effectLst>
+              <a:outerShdw blurRad="50800" dist="38100" dir="2700000" algn="tl" rotWithShape="0">
+                <a:prstClr val="black">
+                  <a:alpha val="40000"/>
+                </a:prstClr>
+              </a:outerShdw>
+            </a:effectLst>
+          </p:spPr>
+          <p:style>
+            <a:lnRef idx="2">
+              <a:schemeClr val="dk1"/>
+            </a:lnRef>
+            <a:fillRef idx="1">
+              <a:schemeClr val="lt1"/>
+            </a:fillRef>
+            <a:effectRef idx="0">
+              <a:schemeClr val="dk1"/>
+            </a:effectRef>
+            <a:fontRef idx="minor">
+              <a:schemeClr val="dk1"/>
+            </a:fontRef>
+          </p:style>
+          <p:txBody>
+            <a:bodyPr wrap="square" lIns="91440" tIns="45720" rIns="91440" bIns="45720">
+              <a:spAutoFit/>
+            </a:bodyPr>
+            <a:lstStyle/>
+            <a:p>
+              <a:r>
+                <a:rPr lang="en-US" sz="4400" dirty="0">
+                  <a:ln w="0"/>
+                  <a:solidFill>
+                    <a:schemeClr val="bg1">
+                      <a:lumMod val="75000"/>
+                    </a:schemeClr>
+                  </a:solidFill>
+                  <a:effectLst>
+                    <a:outerShdw blurRad="38100" dist="19050" dir="2700000" algn="tl" rotWithShape="0">
+                      <a:schemeClr val="dk1">
+                        <a:alpha val="40000"/>
+                      </a:schemeClr>
+                    </a:outerShdw>
+                  </a:effectLst>
+                  <a:latin typeface="Arial Black" panose="020B0A04020102020204" pitchFamily="34" charset="0"/>
+                </a:rPr>
+                <a:t>AI</a:t>
+              </a:r>
+              <a:r>
+                <a:rPr lang="en-US" sz="2400" dirty="0">
+                  <a:ln w="0"/>
+                  <a:solidFill>
+                    <a:schemeClr val="bg1">
+                      <a:lumMod val="75000"/>
+                    </a:schemeClr>
+                  </a:solidFill>
+                  <a:effectLst>
+                    <a:outerShdw blurRad="38100" dist="19050" dir="2700000" algn="tl" rotWithShape="0">
+                      <a:schemeClr val="dk1">
+                        <a:alpha val="40000"/>
+                      </a:schemeClr>
+                    </a:outerShdw>
+                  </a:effectLst>
+                  <a:latin typeface="Arial Black" panose="020B0A04020102020204" pitchFamily="34" charset="0"/>
+                </a:rPr>
+                <a:t>&amp;</a:t>
+              </a:r>
+              <a:r>
+                <a:rPr lang="en-US" sz="4400" dirty="0">
+                  <a:ln w="0"/>
+                  <a:solidFill>
+                    <a:schemeClr val="bg1">
+                      <a:lumMod val="75000"/>
+                    </a:schemeClr>
+                  </a:solidFill>
+                  <a:effectLst>
+                    <a:outerShdw blurRad="38100" dist="19050" dir="2700000" algn="tl" rotWithShape="0">
+                      <a:schemeClr val="dk1">
+                        <a:alpha val="40000"/>
+                      </a:schemeClr>
+                    </a:outerShdw>
+                  </a:effectLst>
+                  <a:latin typeface="Arial Black" panose="020B0A04020102020204" pitchFamily="34" charset="0"/>
+                </a:rPr>
+                <a:t>ML</a:t>
+              </a:r>
+            </a:p>
+          </p:txBody>
+        </p:sp>
+        <p:sp>
+          <p:nvSpPr>
+            <p:cNvPr id="10" name="Rectangle 9">
+              <a:extLst>
+                <a:ext uri="{FF2B5EF4-FFF2-40B4-BE49-F238E27FC236}">
+                  <a16:creationId xmlns:a16="http://schemas.microsoft.com/office/drawing/2014/main" id="{159C44B4-D5E9-5C80-508F-24B551CCD290}"/>
+                </a:ext>
+              </a:extLst>
+            </p:cNvPr>
+            <p:cNvSpPr/>
+            <p:nvPr/>
+          </p:nvSpPr>
+          <p:spPr>
+            <a:xfrm>
+              <a:off x="3663008" y="4230340"/>
+              <a:ext cx="2444667" cy="400110"/>
+            </a:xfrm>
+            <a:prstGeom prst="rect">
+              <a:avLst/>
+            </a:prstGeom>
+            <a:noFill/>
+          </p:spPr>
+          <p:txBody>
+            <a:bodyPr wrap="square" lIns="91440" tIns="45720" rIns="91440" bIns="45720">
+              <a:spAutoFit/>
+            </a:bodyPr>
+            <a:lstStyle/>
+            <a:p>
+              <a:r>
+                <a:rPr lang="en-US" sz="2000" b="0" cap="none" spc="0" dirty="0">
+                  <a:ln w="0"/>
+                  <a:solidFill>
+                    <a:schemeClr val="bg1">
+                      <a:lumMod val="75000"/>
+                    </a:schemeClr>
+                  </a:solidFill>
+                  <a:effectLst>
+                    <a:outerShdw blurRad="38100" dist="19050" dir="2700000" algn="tl" rotWithShape="0">
+                      <a:schemeClr val="dk1">
+                        <a:alpha val="40000"/>
+                      </a:schemeClr>
+                    </a:outerShdw>
+                  </a:effectLst>
+                  <a:latin typeface="Arial Black" panose="020B0A04020102020204" pitchFamily="34" charset="0"/>
+                </a:rPr>
+                <a:t>FOR</a:t>
+              </a:r>
+            </a:p>
+          </p:txBody>
+        </p:sp>
+        <p:sp>
+          <p:nvSpPr>
+            <p:cNvPr id="11" name="Rectangle 10">
+              <a:extLst>
+                <a:ext uri="{FF2B5EF4-FFF2-40B4-BE49-F238E27FC236}">
+                  <a16:creationId xmlns:a16="http://schemas.microsoft.com/office/drawing/2014/main" id="{01F94B76-B377-181D-0718-6298AC9A7DDA}"/>
+                </a:ext>
+              </a:extLst>
+            </p:cNvPr>
+            <p:cNvSpPr/>
+            <p:nvPr/>
+          </p:nvSpPr>
+          <p:spPr>
+            <a:xfrm>
+              <a:off x="1548065" y="4709578"/>
+              <a:ext cx="4676812" cy="523220"/>
+            </a:xfrm>
+            <a:prstGeom prst="rect">
+              <a:avLst/>
+            </a:prstGeom>
+            <a:noFill/>
+            <a:ln>
+              <a:noFill/>
+            </a:ln>
+            <a:effectLst>
+              <a:outerShdw blurRad="50800" dist="38100" dir="2700000" algn="tl" rotWithShape="0">
+                <a:prstClr val="black">
+                  <a:alpha val="40000"/>
+                </a:prstClr>
+              </a:outerShdw>
+            </a:effectLst>
+          </p:spPr>
+          <p:style>
+            <a:lnRef idx="2">
+              <a:schemeClr val="dk1"/>
+            </a:lnRef>
+            <a:fillRef idx="1">
+              <a:schemeClr val="lt1"/>
+            </a:fillRef>
+            <a:effectRef idx="0">
+              <a:schemeClr val="dk1"/>
+            </a:effectRef>
+            <a:fontRef idx="minor">
+              <a:schemeClr val="dk1"/>
+            </a:fontRef>
+          </p:style>
+          <p:txBody>
+            <a:bodyPr wrap="square" lIns="91440" tIns="45720" rIns="91440" bIns="45720">
+              <a:spAutoFit/>
+            </a:bodyPr>
+            <a:lstStyle/>
+            <a:p>
+              <a:pPr algn="ctr"/>
+              <a:r>
+                <a:rPr lang="en-US" sz="2800" dirty="0">
+                  <a:ln w="0"/>
+                  <a:solidFill>
+                    <a:schemeClr val="bg1">
+                      <a:lumMod val="75000"/>
+                    </a:schemeClr>
+                  </a:solidFill>
+                  <a:effectLst>
+                    <a:outerShdw blurRad="38100" dist="19050" dir="2700000" algn="tl" rotWithShape="0">
+                      <a:schemeClr val="dk1">
+                        <a:alpha val="40000"/>
+                      </a:schemeClr>
+                    </a:outerShdw>
+                  </a:effectLst>
+                  <a:latin typeface="Arial Black" panose="020B0A04020102020204" pitchFamily="34" charset="0"/>
+                </a:rPr>
+                <a:t>NETWORK ENGINEERS</a:t>
+              </a:r>
+            </a:p>
+          </p:txBody>
+        </p:sp>
+      </p:grpSp>
     </p:spTree>
     <p:extLst>
       <p:ext uri="{BB962C8B-B14F-4D97-AF65-F5344CB8AC3E}">
